--- a/0Intro to RPi 130327b.pptx
+++ b/0Intro to RPi 130327b.pptx
@@ -752,7 +752,7 @@
               <a:pPr>
                 <a:defRPr/>
               </a:pPr>
-              <a:t>28/3/2013</a:t>
+              <a:t>1/4/2013</a:t>
             </a:fld>
             <a:endParaRPr lang="en-SG"/>
           </a:p>
@@ -911,7 +911,7 @@
               <a:pPr>
                 <a:defRPr/>
               </a:pPr>
-              <a:t>28/3/2013</a:t>
+              <a:t>1/4/2013</a:t>
             </a:fld>
             <a:endParaRPr lang="en-SG" dirty="0"/>
           </a:p>
@@ -1080,7 +1080,7 @@
               <a:pPr>
                 <a:defRPr/>
               </a:pPr>
-              <a:t>28/3/2013</a:t>
+              <a:t>1/4/2013</a:t>
             </a:fld>
             <a:endParaRPr lang="en-SG" dirty="0"/>
           </a:p>
@@ -1891,7 +1891,7 @@
               <a:pPr>
                 <a:defRPr/>
               </a:pPr>
-              <a:t>28/3/2013</a:t>
+              <a:t>1/4/2013</a:t>
             </a:fld>
             <a:endParaRPr lang="en-SG"/>
           </a:p>
@@ -2126,7 +2126,7 @@
               <a:pPr>
                 <a:defRPr/>
               </a:pPr>
-              <a:t>28/3/2013</a:t>
+              <a:t>1/4/2013</a:t>
             </a:fld>
             <a:endParaRPr lang="en-SG" dirty="0"/>
           </a:p>
@@ -2457,7 +2457,7 @@
               <a:pPr>
                 <a:defRPr/>
               </a:pPr>
-              <a:t>28/3/2013</a:t>
+              <a:t>1/4/2013</a:t>
             </a:fld>
             <a:endParaRPr lang="en-SG"/>
           </a:p>
@@ -2918,7 +2918,7 @@
               <a:pPr>
                 <a:defRPr/>
               </a:pPr>
-              <a:t>28/3/2013</a:t>
+              <a:t>1/4/2013</a:t>
             </a:fld>
             <a:endParaRPr lang="en-SG"/>
           </a:p>
@@ -3075,7 +3075,7 @@
               <a:pPr>
                 <a:defRPr/>
               </a:pPr>
-              <a:t>28/3/2013</a:t>
+              <a:t>1/4/2013</a:t>
             </a:fld>
             <a:endParaRPr lang="en-SG"/>
           </a:p>
@@ -3159,7 +3159,7 @@
               <a:pPr>
                 <a:defRPr/>
               </a:pPr>
-              <a:t>28/3/2013</a:t>
+              <a:t>1/4/2013</a:t>
             </a:fld>
             <a:endParaRPr lang="en-SG" dirty="0"/>
           </a:p>
@@ -3425,7 +3425,7 @@
               <a:pPr>
                 <a:defRPr/>
               </a:pPr>
-              <a:t>28/3/2013</a:t>
+              <a:t>1/4/2013</a:t>
             </a:fld>
             <a:endParaRPr lang="en-SG" dirty="0"/>
           </a:p>
@@ -3674,7 +3674,7 @@
               <a:pPr>
                 <a:defRPr/>
               </a:pPr>
-              <a:t>28/3/2013</a:t>
+              <a:t>1/4/2013</a:t>
             </a:fld>
             <a:endParaRPr lang="en-SG" dirty="0"/>
           </a:p>
@@ -3893,7 +3893,7 @@
               <a:pPr>
                 <a:defRPr/>
               </a:pPr>
-              <a:t>28/3/2013</a:t>
+              <a:t>1/4/2013</a:t>
             </a:fld>
             <a:endParaRPr lang="en-SG" dirty="0"/>
           </a:p>
@@ -4932,12 +4932,20 @@
               <a:t>rpi</a:t>
             </a:r>
             <a:r>
-              <a:rPr lang="en-US" sz="2000" b="1" dirty="0" smtClean="0">
+              <a:rPr lang="en-US" sz="2000" b="1" smtClean="0">
                 <a:solidFill>
                   <a:srgbClr val="FF0000"/>
                 </a:solidFill>
               </a:rPr>
-              <a:t> yet</a:t>
+              <a:t> </a:t>
+            </a:r>
+            <a:r>
+              <a:rPr lang="en-US" sz="2000" b="1" smtClean="0">
+                <a:solidFill>
+                  <a:srgbClr val="FF0000"/>
+                </a:solidFill>
+              </a:rPr>
+              <a:t>yet.</a:t>
             </a:r>
             <a:endParaRPr lang="en-SG" sz="2000" b="1" dirty="0">
               <a:solidFill>
@@ -7600,13 +7608,8 @@
           <a:p>
             <a:r>
               <a:rPr lang="en-US" sz="1600" dirty="0" smtClean="0"/>
-              <a:t>- IO expander pins are open-drain </a:t>
-            </a:r>
-            <a:r>
-              <a:rPr lang="en-US" sz="1600" dirty="0" smtClean="0"/>
-              <a:t>type &amp; Use 5V supply</a:t>
-            </a:r>
-            <a:endParaRPr lang="en-US" sz="1600" dirty="0" smtClean="0"/>
+              <a:t>- IO expander pins are open-drain type &amp; Use 5V supply</a:t>
+            </a:r>
           </a:p>
           <a:p>
             <a:r>
